--- a/Report/Automated.theorem.proving.pptx
+++ b/Report/Automated.theorem.proving.pptx
@@ -146,6 +146,7 @@
           <a:p>
             <a:fld id="{3984B7AD-49CF-41A9-AFD9-C8CA6BADE335}" type="datetimeFigureOut">
               <a:rPr lang="en-US" smtClean="0"/>
+              <a:pPr/>
               <a:t>10/8/2008</a:t>
             </a:fld>
             <a:endParaRPr lang="en-US"/>
@@ -192,6 +193,7 @@
           <a:p>
             <a:fld id="{7EA870D1-C88C-4A67-9D4B-788D2F8B7132}" type="slidenum">
               <a:rPr lang="en-US" smtClean="0"/>
+              <a:pPr/>
               <a:t>‹#›</a:t>
             </a:fld>
             <a:endParaRPr lang="en-US"/>
@@ -863,6 +865,7 @@
           <a:p>
             <a:fld id="{3984B7AD-49CF-41A9-AFD9-C8CA6BADE335}" type="datetimeFigureOut">
               <a:rPr lang="en-US" smtClean="0"/>
+              <a:pPr/>
               <a:t>10/8/2008</a:t>
             </a:fld>
             <a:endParaRPr lang="en-US"/>
@@ -909,6 +912,7 @@
           <a:p>
             <a:fld id="{7EA870D1-C88C-4A67-9D4B-788D2F8B7132}" type="slidenum">
               <a:rPr lang="en-US" smtClean="0"/>
+              <a:pPr/>
               <a:t>‹#›</a:t>
             </a:fld>
             <a:endParaRPr lang="en-US"/>
@@ -1048,6 +1052,7 @@
           <a:p>
             <a:fld id="{3984B7AD-49CF-41A9-AFD9-C8CA6BADE335}" type="datetimeFigureOut">
               <a:rPr lang="en-US" smtClean="0"/>
+              <a:pPr/>
               <a:t>10/8/2008</a:t>
             </a:fld>
             <a:endParaRPr lang="en-US"/>
@@ -1094,6 +1099,7 @@
           <a:p>
             <a:fld id="{7EA870D1-C88C-4A67-9D4B-788D2F8B7132}" type="slidenum">
               <a:rPr lang="en-US" smtClean="0"/>
+              <a:pPr/>
               <a:t>‹#›</a:t>
             </a:fld>
             <a:endParaRPr lang="en-US"/>
@@ -1223,6 +1229,7 @@
           <a:p>
             <a:fld id="{3984B7AD-49CF-41A9-AFD9-C8CA6BADE335}" type="datetimeFigureOut">
               <a:rPr lang="en-US" smtClean="0"/>
+              <a:pPr/>
               <a:t>10/8/2008</a:t>
             </a:fld>
             <a:endParaRPr lang="en-US"/>
@@ -1269,6 +1276,7 @@
           <a:p>
             <a:fld id="{7EA870D1-C88C-4A67-9D4B-788D2F8B7132}" type="slidenum">
               <a:rPr lang="en-US" smtClean="0"/>
+              <a:pPr/>
               <a:t>‹#›</a:t>
             </a:fld>
             <a:endParaRPr lang="en-US"/>
@@ -2706,6 +2714,7 @@
           <a:p>
             <a:fld id="{3984B7AD-49CF-41A9-AFD9-C8CA6BADE335}" type="datetimeFigureOut">
               <a:rPr lang="en-US" smtClean="0"/>
+              <a:pPr/>
               <a:t>10/8/2008</a:t>
             </a:fld>
             <a:endParaRPr lang="en-US"/>
@@ -2752,6 +2761,7 @@
           <a:p>
             <a:fld id="{7EA870D1-C88C-4A67-9D4B-788D2F8B7132}" type="slidenum">
               <a:rPr lang="en-US" smtClean="0"/>
+              <a:pPr/>
               <a:t>‹#›</a:t>
             </a:fld>
             <a:endParaRPr lang="en-US"/>
@@ -3306,6 +3316,7 @@
           <a:p>
             <a:fld id="{3984B7AD-49CF-41A9-AFD9-C8CA6BADE335}" type="datetimeFigureOut">
               <a:rPr lang="en-US" smtClean="0"/>
+              <a:pPr/>
               <a:t>10/8/2008</a:t>
             </a:fld>
             <a:endParaRPr lang="en-US"/>
@@ -3352,6 +3363,7 @@
           <a:p>
             <a:fld id="{7EA870D1-C88C-4A67-9D4B-788D2F8B7132}" type="slidenum">
               <a:rPr lang="en-US" smtClean="0"/>
+              <a:pPr/>
               <a:t>‹#›</a:t>
             </a:fld>
             <a:endParaRPr lang="en-US"/>
@@ -3743,6 +3755,7 @@
           <a:p>
             <a:fld id="{3984B7AD-49CF-41A9-AFD9-C8CA6BADE335}" type="datetimeFigureOut">
               <a:rPr lang="en-US" smtClean="0"/>
+              <a:pPr/>
               <a:t>10/8/2008</a:t>
             </a:fld>
             <a:endParaRPr lang="en-US"/>
@@ -3789,6 +3802,7 @@
           <a:p>
             <a:fld id="{7EA870D1-C88C-4A67-9D4B-788D2F8B7132}" type="slidenum">
               <a:rPr lang="en-US" smtClean="0"/>
+              <a:pPr/>
               <a:t>‹#›</a:t>
             </a:fld>
             <a:endParaRPr lang="en-US"/>
@@ -4304,6 +4318,7 @@
           <a:p>
             <a:fld id="{3984B7AD-49CF-41A9-AFD9-C8CA6BADE335}" type="datetimeFigureOut">
               <a:rPr lang="en-US" smtClean="0"/>
+              <a:pPr/>
               <a:t>10/8/2008</a:t>
             </a:fld>
             <a:endParaRPr lang="en-US"/>
@@ -4350,6 +4365,7 @@
           <a:p>
             <a:fld id="{7EA870D1-C88C-4A67-9D4B-788D2F8B7132}" type="slidenum">
               <a:rPr lang="en-US" smtClean="0"/>
+              <a:pPr/>
               <a:t>‹#›</a:t>
             </a:fld>
             <a:endParaRPr lang="en-US"/>
@@ -4400,6 +4416,7 @@
           <a:p>
             <a:fld id="{3984B7AD-49CF-41A9-AFD9-C8CA6BADE335}" type="datetimeFigureOut">
               <a:rPr lang="en-US" smtClean="0"/>
+              <a:pPr/>
               <a:t>10/8/2008</a:t>
             </a:fld>
             <a:endParaRPr lang="en-US"/>
@@ -4446,6 +4463,7 @@
           <a:p>
             <a:fld id="{7EA870D1-C88C-4A67-9D4B-788D2F8B7132}" type="slidenum">
               <a:rPr lang="en-US" smtClean="0"/>
+              <a:pPr/>
               <a:t>‹#›</a:t>
             </a:fld>
             <a:endParaRPr lang="en-US"/>
@@ -4654,6 +4672,7 @@
           <a:p>
             <a:fld id="{3984B7AD-49CF-41A9-AFD9-C8CA6BADE335}" type="datetimeFigureOut">
               <a:rPr lang="en-US" smtClean="0"/>
+              <a:pPr/>
               <a:t>10/8/2008</a:t>
             </a:fld>
             <a:endParaRPr lang="en-US"/>
@@ -4700,6 +4719,7 @@
           <a:p>
             <a:fld id="{7EA870D1-C88C-4A67-9D4B-788D2F8B7132}" type="slidenum">
               <a:rPr lang="en-US" smtClean="0"/>
+              <a:pPr/>
               <a:t>‹#›</a:t>
             </a:fld>
             <a:endParaRPr lang="en-US"/>
@@ -5375,6 +5395,7 @@
           <a:p>
             <a:fld id="{3984B7AD-49CF-41A9-AFD9-C8CA6BADE335}" type="datetimeFigureOut">
               <a:rPr lang="en-US" smtClean="0"/>
+              <a:pPr/>
               <a:t>10/8/2008</a:t>
             </a:fld>
             <a:endParaRPr lang="en-US"/>
@@ -5431,6 +5452,7 @@
           <a:p>
             <a:fld id="{7EA870D1-C88C-4A67-9D4B-788D2F8B7132}" type="slidenum">
               <a:rPr lang="en-US" smtClean="0"/>
+              <a:pPr/>
               <a:t>‹#›</a:t>
             </a:fld>
             <a:endParaRPr lang="en-US"/>
@@ -6048,6 +6070,7 @@
           <a:p>
             <a:fld id="{3984B7AD-49CF-41A9-AFD9-C8CA6BADE335}" type="datetimeFigureOut">
               <a:rPr lang="en-US" smtClean="0"/>
+              <a:pPr/>
               <a:t>10/8/2008</a:t>
             </a:fld>
             <a:endParaRPr lang="en-US"/>
@@ -6124,6 +6147,7 @@
           <a:p>
             <a:fld id="{7EA870D1-C88C-4A67-9D4B-788D2F8B7132}" type="slidenum">
               <a:rPr lang="en-US" smtClean="0"/>
+              <a:pPr/>
               <a:t>‹#›</a:t>
             </a:fld>
             <a:endParaRPr lang="en-US"/>
@@ -6682,28 +6706,7 @@
                 <a:latin typeface="Times New Roman" pitchFamily="18" charset="0"/>
                 <a:cs typeface="Times New Roman" pitchFamily="18" charset="0"/>
               </a:rPr>
-              <a:t>	</a:t>
-            </a:r>
-            <a:r>
-              <a:rPr lang="en-US" sz="1200" dirty="0" smtClean="0">
-                <a:latin typeface="Times New Roman" pitchFamily="18" charset="0"/>
-                <a:cs typeface="Times New Roman" pitchFamily="18" charset="0"/>
-              </a:rPr>
-              <a:t>   			</a:t>
-            </a:r>
-            <a:r>
-              <a:rPr lang="en-US" sz="1200" dirty="0" smtClean="0">
-                <a:latin typeface="Times New Roman" pitchFamily="18" charset="0"/>
-                <a:cs typeface="Times New Roman" pitchFamily="18" charset="0"/>
-              </a:rPr>
-              <a:t>	</a:t>
-            </a:r>
-            <a:r>
-              <a:rPr lang="en-US" sz="1200" dirty="0" smtClean="0">
-                <a:latin typeface="Times New Roman" pitchFamily="18" charset="0"/>
-                <a:cs typeface="Times New Roman" pitchFamily="18" charset="0"/>
-              </a:rPr>
-              <a:t>	                     </a:t>
+              <a:t>	   					                     </a:t>
             </a:r>
             <a:r>
               <a:rPr lang="en-US" sz="1200" dirty="0" err="1" smtClean="0">
@@ -6868,14 +6871,7 @@
                 <a:latin typeface="Times New Roman" pitchFamily="18" charset="0"/>
                 <a:cs typeface="Times New Roman" pitchFamily="18" charset="0"/>
               </a:rPr>
-              <a:t>s</a:t>
-            </a:r>
-            <a:r>
-              <a:rPr lang="en-US" sz="2500" dirty="0" err="1" smtClean="0">
-                <a:latin typeface="Times New Roman" pitchFamily="18" charset="0"/>
-                <a:cs typeface="Times New Roman" pitchFamily="18" charset="0"/>
-              </a:rPr>
-              <a:t>uy</a:t>
+              <a:t>suy</a:t>
             </a:r>
             <a:r>
               <a:rPr lang="en-US" sz="2500" dirty="0" smtClean="0">
@@ -8706,14 +8702,17 @@
                 <a:latin typeface="Times New Roman" pitchFamily="18" charset="0"/>
                 <a:cs typeface="Times New Roman" pitchFamily="18" charset="0"/>
               </a:rPr>
-              <a:t>First-order </a:t>
-            </a:r>
+              <a:t>First-order resolution</a:t>
+            </a:r>
+          </a:p>
+          <a:p>
+            <a:pPr lvl="1"/>
             <a:r>
               <a:rPr lang="en-US" dirty="0" smtClean="0">
                 <a:latin typeface="Times New Roman" pitchFamily="18" charset="0"/>
                 <a:cs typeface="Times New Roman" pitchFamily="18" charset="0"/>
               </a:rPr>
-              <a:t>resolution</a:t>
+              <a:t>Lean theorem proving</a:t>
             </a:r>
           </a:p>
           <a:p>
@@ -8723,14 +8722,17 @@
                 <a:latin typeface="Times New Roman" pitchFamily="18" charset="0"/>
                 <a:cs typeface="Times New Roman" pitchFamily="18" charset="0"/>
               </a:rPr>
-              <a:t>Lean theorem </a:t>
-            </a:r>
+              <a:t>Model elimination</a:t>
+            </a:r>
+          </a:p>
+          <a:p>
+            <a:pPr lvl="1"/>
             <a:r>
               <a:rPr lang="en-US" dirty="0" smtClean="0">
                 <a:latin typeface="Times New Roman" pitchFamily="18" charset="0"/>
                 <a:cs typeface="Times New Roman" pitchFamily="18" charset="0"/>
               </a:rPr>
-              <a:t>proving</a:t>
+              <a:t>Method of analytic tableaux</a:t>
             </a:r>
           </a:p>
           <a:p>
@@ -8740,14 +8742,17 @@
                 <a:latin typeface="Times New Roman" pitchFamily="18" charset="0"/>
                 <a:cs typeface="Times New Roman" pitchFamily="18" charset="0"/>
               </a:rPr>
-              <a:t>Model </a:t>
-            </a:r>
+              <a:t>Superposition and term rewriting</a:t>
+            </a:r>
+          </a:p>
+          <a:p>
+            <a:pPr lvl="1"/>
             <a:r>
               <a:rPr lang="en-US" dirty="0" smtClean="0">
                 <a:latin typeface="Times New Roman" pitchFamily="18" charset="0"/>
                 <a:cs typeface="Times New Roman" pitchFamily="18" charset="0"/>
               </a:rPr>
-              <a:t>elimination</a:t>
+              <a:t>Model checking</a:t>
             </a:r>
           </a:p>
           <a:p>
@@ -8757,82 +8762,17 @@
                 <a:latin typeface="Times New Roman" pitchFamily="18" charset="0"/>
                 <a:cs typeface="Times New Roman" pitchFamily="18" charset="0"/>
               </a:rPr>
-              <a:t>Method of analytic </a:t>
-            </a:r>
+              <a:t>Mathematical induction</a:t>
+            </a:r>
+          </a:p>
+          <a:p>
+            <a:pPr lvl="1"/>
             <a:r>
               <a:rPr lang="en-US" dirty="0" smtClean="0">
                 <a:latin typeface="Times New Roman" pitchFamily="18" charset="0"/>
                 <a:cs typeface="Times New Roman" pitchFamily="18" charset="0"/>
               </a:rPr>
-              <a:t>tableaux</a:t>
-            </a:r>
-          </a:p>
-          <a:p>
-            <a:pPr lvl="1"/>
-            <a:r>
-              <a:rPr lang="en-US" dirty="0" smtClean="0">
-                <a:latin typeface="Times New Roman" pitchFamily="18" charset="0"/>
-                <a:cs typeface="Times New Roman" pitchFamily="18" charset="0"/>
-              </a:rPr>
-              <a:t>Superposition and term </a:t>
-            </a:r>
-            <a:r>
-              <a:rPr lang="en-US" dirty="0" smtClean="0">
-                <a:latin typeface="Times New Roman" pitchFamily="18" charset="0"/>
-                <a:cs typeface="Times New Roman" pitchFamily="18" charset="0"/>
-              </a:rPr>
-              <a:t>rewriting</a:t>
-            </a:r>
-          </a:p>
-          <a:p>
-            <a:pPr lvl="1"/>
-            <a:r>
-              <a:rPr lang="en-US" dirty="0" smtClean="0">
-                <a:latin typeface="Times New Roman" pitchFamily="18" charset="0"/>
-                <a:cs typeface="Times New Roman" pitchFamily="18" charset="0"/>
-              </a:rPr>
-              <a:t>Model </a:t>
-            </a:r>
-            <a:r>
-              <a:rPr lang="en-US" dirty="0" smtClean="0">
-                <a:latin typeface="Times New Roman" pitchFamily="18" charset="0"/>
-                <a:cs typeface="Times New Roman" pitchFamily="18" charset="0"/>
-              </a:rPr>
-              <a:t>checking</a:t>
-            </a:r>
-          </a:p>
-          <a:p>
-            <a:pPr lvl="1"/>
-            <a:r>
-              <a:rPr lang="en-US" dirty="0" smtClean="0">
-                <a:latin typeface="Times New Roman" pitchFamily="18" charset="0"/>
-                <a:cs typeface="Times New Roman" pitchFamily="18" charset="0"/>
-              </a:rPr>
-              <a:t>Mathematical </a:t>
-            </a:r>
-            <a:r>
-              <a:rPr lang="en-US" dirty="0" smtClean="0">
-                <a:latin typeface="Times New Roman" pitchFamily="18" charset="0"/>
-                <a:cs typeface="Times New Roman" pitchFamily="18" charset="0"/>
-              </a:rPr>
-              <a:t>induction</a:t>
-            </a:r>
-          </a:p>
-          <a:p>
-            <a:pPr lvl="1"/>
-            <a:r>
-              <a:rPr lang="en-US" dirty="0" smtClean="0">
-                <a:latin typeface="Times New Roman" pitchFamily="18" charset="0"/>
-                <a:cs typeface="Times New Roman" pitchFamily="18" charset="0"/>
-              </a:rPr>
-              <a:t>Binary decision </a:t>
-            </a:r>
-            <a:r>
-              <a:rPr lang="en-US" dirty="0" smtClean="0">
-                <a:latin typeface="Times New Roman" pitchFamily="18" charset="0"/>
-                <a:cs typeface="Times New Roman" pitchFamily="18" charset="0"/>
-              </a:rPr>
-              <a:t>diagrams</a:t>
+              <a:t>Binary decision diagrams</a:t>
             </a:r>
           </a:p>
           <a:p>
